--- a/images/duplo_completion.pptx
+++ b/images/duplo_completion.pptx
@@ -2,12 +2,12 @@
 <file path=ppt/presentation.xml><?xml version="1.0" encoding="utf-8"?>
 <p:presentation xmlns:a="http://schemas.openxmlformats.org/drawingml/2006/main" xmlns:r="http://schemas.openxmlformats.org/officeDocument/2006/relationships" xmlns:p="http://schemas.openxmlformats.org/presentationml/2006/main" saveSubsetFonts="1">
   <p:sldMasterIdLst>
-    <p:sldMasterId id="2147483660" r:id="rId1"/>
+    <p:sldMasterId id="2147483672" r:id="rId1"/>
   </p:sldMasterIdLst>
   <p:sldIdLst>
     <p:sldId id="256" r:id="rId2"/>
   </p:sldIdLst>
-  <p:sldSz cx="9144000" cy="6858000" type="screen4x3"/>
+  <p:sldSz cx="11430000" cy="5029200"/>
   <p:notesSz cx="6858000" cy="9144000"/>
   <p:defaultTextStyle>
     <a:defPPr>
@@ -134,10 +134,10 @@
           <c:layoutTarget val="inner"/>
           <c:xMode val="edge"/>
           <c:yMode val="edge"/>
-          <c:x val="0.17810155393330845"/>
-          <c:y val="0.10558136482939633"/>
-          <c:w val="0.66273776800654027"/>
-          <c:h val="0.62390478273549144"/>
+          <c:x val="0.15005154838471524"/>
+          <c:y val="0.1232581722739203"/>
+          <c:w val="0.82715379613221784"/>
+          <c:h val="0.56182494233675351"/>
         </c:manualLayout>
       </c:layout>
       <c:barChart>
@@ -176,7 +176,7 @@
                   <a:bodyPr/>
                   <a:lstStyle/>
                   <a:p>
-                    <a:fld id="{FC83CAC1-41D2-495E-96E3-098A113EB0B0}" type="CELLRANGE">
+                    <a:fld id="{E137455B-32E8-4EA2-A828-6968AFF66D07}" type="CELLRANGE">
                       <a:rPr lang="en-US"/>
                       <a:pPr/>
                       <a:t>[CELLRANGE]</a:t>
@@ -210,7 +210,7 @@
                   <a:bodyPr/>
                   <a:lstStyle/>
                   <a:p>
-                    <a:fld id="{F2A9575E-F434-4B3E-824D-6DC8BE4ED2F2}" type="CELLRANGE">
+                    <a:fld id="{3D692370-C1C6-4B7A-9015-9603467DFCF3}" type="CELLRANGE">
                       <a:rPr lang="en-US"/>
                       <a:pPr/>
                       <a:t>[CELLRANGE]</a:t>
@@ -244,7 +244,7 @@
                   <a:bodyPr/>
                   <a:lstStyle/>
                   <a:p>
-                    <a:fld id="{59AB130C-E7CF-469E-80BF-81434C102F28}" type="CELLRANGE">
+                    <a:fld id="{8D7B6AC4-B9BD-4393-95B0-30CDBE4EF287}" type="CELLRANGE">
                       <a:rPr lang="en-US"/>
                       <a:pPr/>
                       <a:t>[CELLRANGE]</a:t>
@@ -278,7 +278,7 @@
                   <a:bodyPr/>
                   <a:lstStyle/>
                   <a:p>
-                    <a:fld id="{69C3A5AE-3F78-46FA-A0B0-A37BB14BFE06}" type="CELLRANGE">
+                    <a:fld id="{85F0311B-574A-4D6C-BA65-2CD232075F91}" type="CELLRANGE">
                       <a:rPr lang="en-US"/>
                       <a:pPr/>
                       <a:t>[CELLRANGE]</a:t>
@@ -312,7 +312,7 @@
                   <a:bodyPr/>
                   <a:lstStyle/>
                   <a:p>
-                    <a:fld id="{C7C85B73-5DDB-4E4F-B4CD-1D01ED20AFFF}" type="CELLRANGE">
+                    <a:fld id="{8BC9353D-C752-406E-8B29-970ECFF2D54B}" type="CELLRANGE">
                       <a:rPr lang="en-US"/>
                       <a:pPr/>
                       <a:t>[CELLRANGE]</a:t>
@@ -346,7 +346,7 @@
                   <a:bodyPr/>
                   <a:lstStyle/>
                   <a:p>
-                    <a:fld id="{1B308E5C-FAA2-447A-A80F-E06CE9B3FC55}" type="CELLRANGE">
+                    <a:fld id="{0C1FE544-DE7B-4491-9BE1-568C7B04A2A0}" type="CELLRANGE">
                       <a:rPr lang="en-US"/>
                       <a:pPr/>
                       <a:t>[CELLRANGE]</a:t>
@@ -381,13 +381,11 @@
               <a:effectLst/>
             </c:spPr>
             <c:txPr>
-              <a:bodyPr rot="0" spcFirstLastPara="1" vertOverflow="ellipsis" vert="horz" wrap="square" lIns="38100" tIns="19050" rIns="38100" bIns="19050" anchor="ctr" anchorCtr="1">
-                <a:spAutoFit/>
-              </a:bodyPr>
+              <a:bodyPr rot="0" spcFirstLastPara="1" vertOverflow="ellipsis" vert="horz" wrap="square" anchor="ctr" anchorCtr="1"/>
               <a:lstStyle/>
               <a:p>
                 <a:pPr>
-                  <a:defRPr sz="2600" b="0" i="0" u="none" strike="noStrike" kern="1200" baseline="0">
+                  <a:defRPr sz="2800" b="0" i="0" u="none" strike="noStrike" kern="1200" baseline="0">
                     <a:solidFill>
                       <a:schemeClr val="bg1"/>
                     </a:solidFill>
@@ -570,13 +568,19 @@
             </c:dLbl>
             <c:dLbl>
               <c:idx val="3"/>
+              <c:layout>
+                <c:manualLayout>
+                  <c:x val="-5.5551181102370356E-4"/>
+                  <c:y val="1.0606160025451365E-2"/>
+                </c:manualLayout>
+              </c:layout>
               <c:tx>
                 <c:rich>
                   <a:bodyPr/>
                   <a:lstStyle/>
                   <a:p>
-                    <a:fld id="{676EDC81-27D4-48B7-BE19-E7946D54C041}" type="CELLRANGE">
-                      <a:rPr lang="en-US"/>
+                    <a:fld id="{E0EAD319-61D8-40A5-B68E-7C99EDBCE57E}" type="CELLRANGE">
+                      <a:rPr lang="en-US" dirty="0"/>
                       <a:pPr/>
                       <a:t>[CELLRANGE]</a:t>
                     </a:fld>
@@ -593,8 +597,13 @@
               <c:showBubbleSize val="0"/>
               <c:extLst>
                 <c:ext xmlns:c15="http://schemas.microsoft.com/office/drawing/2012/chart" uri="{CE6537A1-D6FC-4f65-9D91-7224C49458BB}">
+                  <c15:layout>
+                    <c:manualLayout>
+                      <c:w val="1.6877777777777776E-2"/>
+                      <c:h val="9.3888888888888883E-2"/>
+                    </c:manualLayout>
+                  </c15:layout>
                   <c15:dlblFieldTable/>
-                  <c15:xForSave val="1"/>
                   <c15:showDataLabelsRange val="1"/>
                 </c:ext>
                 <c:ext xmlns:c16="http://schemas.microsoft.com/office/drawing/2014/chart" uri="{C3380CC4-5D6E-409C-BE32-E72D297353CC}">
@@ -609,7 +618,7 @@
                   <a:bodyPr/>
                   <a:lstStyle/>
                   <a:p>
-                    <a:fld id="{A0D3A26C-1FE7-4895-B31C-E59D9E4BCF73}" type="CELLRANGE">
+                    <a:fld id="{C5F48167-E0A8-4F23-A6DF-11735B3448F0}" type="CELLRANGE">
                       <a:rPr lang="en-US"/>
                       <a:pPr/>
                       <a:t>[CELLRANGE]</a:t>
@@ -643,7 +652,7 @@
                   <a:bodyPr/>
                   <a:lstStyle/>
                   <a:p>
-                    <a:fld id="{0F7C291D-1F89-470B-9E15-79F4BB67A545}" type="CELLRANGE">
+                    <a:fld id="{48A8D93D-52D7-4DEA-A34B-17D24043201F}" type="CELLRANGE">
                       <a:rPr lang="en-US"/>
                       <a:pPr/>
                       <a:t>[CELLRANGE]</a:t>
@@ -678,13 +687,11 @@
               <a:effectLst/>
             </c:spPr>
             <c:txPr>
-              <a:bodyPr rot="0" spcFirstLastPara="1" vertOverflow="ellipsis" vert="horz" wrap="square" lIns="38100" tIns="19050" rIns="38100" bIns="19050" anchor="ctr" anchorCtr="1">
-                <a:spAutoFit/>
-              </a:bodyPr>
+              <a:bodyPr rot="0" spcFirstLastPara="1" vertOverflow="ellipsis" vert="horz" wrap="square" anchor="ctr" anchorCtr="1"/>
               <a:lstStyle/>
               <a:p>
                 <a:pPr>
-                  <a:defRPr sz="2600" b="0" i="0" u="none" strike="noStrike" kern="1200" baseline="0">
+                  <a:defRPr sz="2800" b="0" i="0" u="none" strike="noStrike" kern="1200" baseline="0">
                     <a:solidFill>
                       <a:schemeClr val="bg1"/>
                     </a:solidFill>
@@ -818,7 +825,7 @@
           <c:showPercent val="0"/>
           <c:showBubbleSize val="0"/>
         </c:dLbls>
-        <c:gapWidth val="80"/>
+        <c:gapWidth val="120"/>
         <c:overlap val="100"/>
         <c:axId val="883506848"/>
         <c:axId val="888228096"/>
@@ -830,55 +837,6 @@
         </c:scaling>
         <c:delete val="0"/>
         <c:axPos val="b"/>
-        <c:title>
-          <c:tx>
-            <c:rich>
-              <a:bodyPr rot="0" spcFirstLastPara="1" vertOverflow="ellipsis" vert="horz" wrap="square" anchor="ctr" anchorCtr="1"/>
-              <a:lstStyle/>
-              <a:p>
-                <a:pPr>
-                  <a:defRPr sz="2600" b="0" i="0" u="none" strike="noStrike" kern="1200" baseline="0">
-                    <a:solidFill>
-                      <a:schemeClr val="tx1"/>
-                    </a:solidFill>
-                    <a:latin typeface="+mn-lt"/>
-                    <a:ea typeface="+mn-ea"/>
-                    <a:cs typeface="+mn-cs"/>
-                  </a:defRPr>
-                </a:pPr>
-                <a:r>
-                  <a:rPr lang="en-US" dirty="0"/>
-                  <a:t>Task</a:t>
-                </a:r>
-              </a:p>
-            </c:rich>
-          </c:tx>
-          <c:overlay val="0"/>
-          <c:spPr>
-            <a:noFill/>
-            <a:ln>
-              <a:noFill/>
-            </a:ln>
-            <a:effectLst/>
-          </c:spPr>
-          <c:txPr>
-            <a:bodyPr rot="0" spcFirstLastPara="1" vertOverflow="ellipsis" vert="horz" wrap="square" anchor="ctr" anchorCtr="1"/>
-            <a:lstStyle/>
-            <a:p>
-              <a:pPr>
-                <a:defRPr sz="2600" b="0" i="0" u="none" strike="noStrike" kern="1200" baseline="0">
-                  <a:solidFill>
-                    <a:schemeClr val="tx1"/>
-                  </a:solidFill>
-                  <a:latin typeface="+mn-lt"/>
-                  <a:ea typeface="+mn-ea"/>
-                  <a:cs typeface="+mn-cs"/>
-                </a:defRPr>
-              </a:pPr>
-              <a:endParaRPr lang="en-US"/>
-            </a:p>
-          </c:txPr>
-        </c:title>
         <c:numFmt formatCode="General" sourceLinked="1"/>
         <c:majorTickMark val="none"/>
         <c:minorTickMark val="none"/>
@@ -897,11 +855,11 @@
           <a:effectLst/>
         </c:spPr>
         <c:txPr>
-          <a:bodyPr rot="1800000" spcFirstLastPara="1" vertOverflow="ellipsis" wrap="square" anchor="ctr" anchorCtr="1"/>
+          <a:bodyPr rot="0" spcFirstLastPara="1" vertOverflow="ellipsis" wrap="square" anchor="ctr" anchorCtr="1"/>
           <a:lstStyle/>
           <a:p>
             <a:pPr>
-              <a:defRPr sz="2600" b="0" i="0" u="none" strike="noStrike" kern="1200" baseline="0">
+              <a:defRPr sz="3000" b="0" i="0" u="none" strike="noStrike" kern="1200" baseline="0">
                 <a:solidFill>
                   <a:schemeClr val="tx1"/>
                 </a:solidFill>
@@ -950,7 +908,7 @@
               <a:lstStyle/>
               <a:p>
                 <a:pPr>
-                  <a:defRPr sz="2600" b="0" i="0" u="none" strike="noStrike" kern="1200" baseline="0">
+                  <a:defRPr sz="2800" b="0" i="0" u="none" strike="noStrike" kern="1200" baseline="0">
                     <a:solidFill>
                       <a:schemeClr val="tx1"/>
                     </a:solidFill>
@@ -961,7 +919,7 @@
                 </a:pPr>
                 <a:r>
                   <a:rPr lang="en-US" dirty="0"/>
-                  <a:t>Participants</a:t>
+                  <a:t>Participants (%)</a:t>
                 </a:r>
               </a:p>
             </c:rich>
@@ -979,7 +937,7 @@
             <a:lstStyle/>
             <a:p>
               <a:pPr>
-                <a:defRPr sz="2600" b="0" i="0" u="none" strike="noStrike" kern="1200" baseline="0">
+                <a:defRPr sz="2800" b="0" i="0" u="none" strike="noStrike" kern="1200" baseline="0">
                   <a:solidFill>
                     <a:schemeClr val="tx1"/>
                   </a:solidFill>
@@ -1013,7 +971,7 @@
           <a:lstStyle/>
           <a:p>
             <a:pPr>
-              <a:defRPr sz="2600" b="0" i="0" u="none" strike="noStrike" kern="1200" baseline="0">
+              <a:defRPr sz="2800" b="0" i="0" u="none" strike="noStrike" kern="1200" baseline="0">
                 <a:solidFill>
                   <a:schemeClr val="tx1"/>
                 </a:solidFill>
@@ -1050,6 +1008,16 @@
     </c:plotArea>
     <c:legend>
       <c:legendPos val="t"/>
+      <c:layout>
+        <c:manualLayout>
+          <c:xMode val="edge"/>
+          <c:yMode val="edge"/>
+          <c:x val="0.24407384076990377"/>
+          <c:y val="1.7676767676767676E-2"/>
+          <c:w val="0.51185231846019252"/>
+          <c:h val="0.10060128847530422"/>
+        </c:manualLayout>
+      </c:layout>
       <c:overlay val="0"/>
       <c:spPr>
         <a:noFill/>
@@ -1063,7 +1031,7 @@
         <a:lstStyle/>
         <a:p>
           <a:pPr>
-            <a:defRPr sz="2600" b="0" i="0" u="none" strike="noStrike" kern="1200" baseline="0">
+            <a:defRPr sz="2800" b="0" i="0" u="none" strike="noStrike" kern="1200" baseline="0">
               <a:solidFill>
                 <a:schemeClr val="tx1"/>
               </a:solidFill>
@@ -1093,7 +1061,7 @@
     <a:lstStyle/>
     <a:p>
       <a:pPr>
-        <a:defRPr sz="2600">
+        <a:defRPr sz="2800">
           <a:solidFill>
             <a:schemeClr val="tx1"/>
           </a:solidFill>
@@ -1682,15 +1650,15 @@
         </p:nvSpPr>
         <p:spPr>
           <a:xfrm>
-            <a:off x="685800" y="1122363"/>
-            <a:ext cx="7772400" cy="2387600"/>
+            <a:off x="1428750" y="823066"/>
+            <a:ext cx="8572500" cy="1750907"/>
           </a:xfrm>
         </p:spPr>
         <p:txBody>
           <a:bodyPr anchor="b"/>
           <a:lstStyle>
             <a:lvl1pPr algn="ctr">
-              <a:defRPr sz="6000"/>
+              <a:defRPr sz="4400"/>
             </a:lvl1pPr>
           </a:lstStyle>
           <a:p>
@@ -1714,8 +1682,8 @@
         </p:nvSpPr>
         <p:spPr>
           <a:xfrm>
-            <a:off x="1143000" y="3602038"/>
-            <a:ext cx="6858000" cy="1655762"/>
+            <a:off x="1428750" y="2641495"/>
+            <a:ext cx="8572500" cy="1214225"/>
           </a:xfrm>
         </p:spPr>
         <p:txBody>
@@ -1723,39 +1691,39 @@
           <a:lstStyle>
             <a:lvl1pPr marL="0" indent="0" algn="ctr">
               <a:buNone/>
-              <a:defRPr sz="2400"/>
+              <a:defRPr sz="1760"/>
             </a:lvl1pPr>
-            <a:lvl2pPr marL="457200" indent="0" algn="ctr">
-              <a:buNone/>
-              <a:defRPr sz="2000"/>
+            <a:lvl2pPr marL="335265" indent="0" algn="ctr">
+              <a:buNone/>
+              <a:defRPr sz="1467"/>
             </a:lvl2pPr>
-            <a:lvl3pPr marL="914400" indent="0" algn="ctr">
-              <a:buNone/>
-              <a:defRPr sz="1800"/>
+            <a:lvl3pPr marL="670530" indent="0" algn="ctr">
+              <a:buNone/>
+              <a:defRPr sz="1320"/>
             </a:lvl3pPr>
-            <a:lvl4pPr marL="1371600" indent="0" algn="ctr">
-              <a:buNone/>
-              <a:defRPr sz="1600"/>
+            <a:lvl4pPr marL="1005794" indent="0" algn="ctr">
+              <a:buNone/>
+              <a:defRPr sz="1173"/>
             </a:lvl4pPr>
-            <a:lvl5pPr marL="1828800" indent="0" algn="ctr">
-              <a:buNone/>
-              <a:defRPr sz="1600"/>
+            <a:lvl5pPr marL="1341059" indent="0" algn="ctr">
+              <a:buNone/>
+              <a:defRPr sz="1173"/>
             </a:lvl5pPr>
-            <a:lvl6pPr marL="2286000" indent="0" algn="ctr">
-              <a:buNone/>
-              <a:defRPr sz="1600"/>
+            <a:lvl6pPr marL="1676324" indent="0" algn="ctr">
+              <a:buNone/>
+              <a:defRPr sz="1173"/>
             </a:lvl6pPr>
-            <a:lvl7pPr marL="2743200" indent="0" algn="ctr">
-              <a:buNone/>
-              <a:defRPr sz="1600"/>
+            <a:lvl7pPr marL="2011589" indent="0" algn="ctr">
+              <a:buNone/>
+              <a:defRPr sz="1173"/>
             </a:lvl7pPr>
-            <a:lvl8pPr marL="3200400" indent="0" algn="ctr">
-              <a:buNone/>
-              <a:defRPr sz="1600"/>
+            <a:lvl8pPr marL="2346853" indent="0" algn="ctr">
+              <a:buNone/>
+              <a:defRPr sz="1173"/>
             </a:lvl8pPr>
-            <a:lvl9pPr marL="3657600" indent="0" algn="ctr">
-              <a:buNone/>
-              <a:defRPr sz="1600"/>
+            <a:lvl9pPr marL="2682118" indent="0" algn="ctr">
+              <a:buNone/>
+              <a:defRPr sz="1173"/>
             </a:lvl9pPr>
           </a:lstStyle>
           <a:p>
@@ -1784,7 +1752,7 @@
           <a:p>
             <a:fld id="{BB9690E2-32B0-4B7F-88AC-28CD11FEDFE8}" type="datetimeFigureOut">
               <a:rPr lang="en-US" smtClean="0"/>
-              <a:t>2/6/2023</a:t>
+              <a:t>2/15/2023</a:t>
             </a:fld>
             <a:endParaRPr lang="en-US"/>
           </a:p>
@@ -1835,7 +1803,7 @@
     </p:spTree>
     <p:extLst>
       <p:ext uri="{BB962C8B-B14F-4D97-AF65-F5344CB8AC3E}">
-        <p14:creationId xmlns:p14="http://schemas.microsoft.com/office/powerpoint/2010/main" val="3987828450"/>
+        <p14:creationId xmlns:p14="http://schemas.microsoft.com/office/powerpoint/2010/main" val="4130399125"/>
       </p:ext>
     </p:extLst>
   </p:cSld>
@@ -1954,7 +1922,7 @@
           <a:p>
             <a:fld id="{BB9690E2-32B0-4B7F-88AC-28CD11FEDFE8}" type="datetimeFigureOut">
               <a:rPr lang="en-US" smtClean="0"/>
-              <a:t>2/6/2023</a:t>
+              <a:t>2/15/2023</a:t>
             </a:fld>
             <a:endParaRPr lang="en-US"/>
           </a:p>
@@ -2005,7 +1973,7 @@
     </p:spTree>
     <p:extLst>
       <p:ext uri="{BB962C8B-B14F-4D97-AF65-F5344CB8AC3E}">
-        <p14:creationId xmlns:p14="http://schemas.microsoft.com/office/powerpoint/2010/main" val="1517050493"/>
+        <p14:creationId xmlns:p14="http://schemas.microsoft.com/office/powerpoint/2010/main" val="2499931329"/>
       </p:ext>
     </p:extLst>
   </p:cSld>
@@ -2044,8 +2012,8 @@
         </p:nvSpPr>
         <p:spPr>
           <a:xfrm>
-            <a:off x="6543675" y="365125"/>
-            <a:ext cx="1971675" cy="5811838"/>
+            <a:off x="8179594" y="267758"/>
+            <a:ext cx="2464594" cy="4262015"/>
           </a:xfrm>
         </p:spPr>
         <p:txBody>
@@ -2072,8 +2040,8 @@
         </p:nvSpPr>
         <p:spPr>
           <a:xfrm>
-            <a:off x="628650" y="365125"/>
-            <a:ext cx="5800725" cy="5811838"/>
+            <a:off x="785813" y="267758"/>
+            <a:ext cx="7250906" cy="4262015"/>
           </a:xfrm>
         </p:spPr>
         <p:txBody>
@@ -2134,7 +2102,7 @@
           <a:p>
             <a:fld id="{BB9690E2-32B0-4B7F-88AC-28CD11FEDFE8}" type="datetimeFigureOut">
               <a:rPr lang="en-US" smtClean="0"/>
-              <a:t>2/6/2023</a:t>
+              <a:t>2/15/2023</a:t>
             </a:fld>
             <a:endParaRPr lang="en-US"/>
           </a:p>
@@ -2185,7 +2153,7 @@
     </p:spTree>
     <p:extLst>
       <p:ext uri="{BB962C8B-B14F-4D97-AF65-F5344CB8AC3E}">
-        <p14:creationId xmlns:p14="http://schemas.microsoft.com/office/powerpoint/2010/main" val="3859849856"/>
+        <p14:creationId xmlns:p14="http://schemas.microsoft.com/office/powerpoint/2010/main" val="1452561504"/>
       </p:ext>
     </p:extLst>
   </p:cSld>
@@ -2304,7 +2272,7 @@
           <a:p>
             <a:fld id="{BB9690E2-32B0-4B7F-88AC-28CD11FEDFE8}" type="datetimeFigureOut">
               <a:rPr lang="en-US" smtClean="0"/>
-              <a:t>2/6/2023</a:t>
+              <a:t>2/15/2023</a:t>
             </a:fld>
             <a:endParaRPr lang="en-US"/>
           </a:p>
@@ -2355,7 +2323,7 @@
     </p:spTree>
     <p:extLst>
       <p:ext uri="{BB962C8B-B14F-4D97-AF65-F5344CB8AC3E}">
-        <p14:creationId xmlns:p14="http://schemas.microsoft.com/office/powerpoint/2010/main" val="1346644272"/>
+        <p14:creationId xmlns:p14="http://schemas.microsoft.com/office/powerpoint/2010/main" val="3725944840"/>
       </p:ext>
     </p:extLst>
   </p:cSld>
@@ -2394,15 +2362,15 @@
         </p:nvSpPr>
         <p:spPr>
           <a:xfrm>
-            <a:off x="623888" y="1709739"/>
-            <a:ext cx="7886700" cy="2852737"/>
+            <a:off x="779859" y="1253808"/>
+            <a:ext cx="9858375" cy="2092007"/>
           </a:xfrm>
         </p:spPr>
         <p:txBody>
           <a:bodyPr anchor="b"/>
           <a:lstStyle>
             <a:lvl1pPr>
-              <a:defRPr sz="6000"/>
+              <a:defRPr sz="4400"/>
             </a:lvl1pPr>
           </a:lstStyle>
           <a:p>
@@ -2426,8 +2394,8 @@
         </p:nvSpPr>
         <p:spPr>
           <a:xfrm>
-            <a:off x="623888" y="4589464"/>
-            <a:ext cx="7886700" cy="1500187"/>
+            <a:off x="779859" y="3365607"/>
+            <a:ext cx="9858375" cy="1100137"/>
           </a:xfrm>
         </p:spPr>
         <p:txBody>
@@ -2435,15 +2403,17 @@
           <a:lstStyle>
             <a:lvl1pPr marL="0" indent="0">
               <a:buNone/>
-              <a:defRPr sz="2400">
+              <a:defRPr sz="1760">
                 <a:solidFill>
-                  <a:schemeClr val="tx1"/>
+                  <a:schemeClr val="tx1">
+                    <a:tint val="75000"/>
+                  </a:schemeClr>
                 </a:solidFill>
               </a:defRPr>
             </a:lvl1pPr>
-            <a:lvl2pPr marL="457200" indent="0">
-              <a:buNone/>
-              <a:defRPr sz="2000">
+            <a:lvl2pPr marL="335265" indent="0">
+              <a:buNone/>
+              <a:defRPr sz="1467">
                 <a:solidFill>
                   <a:schemeClr val="tx1">
                     <a:tint val="75000"/>
@@ -2451,9 +2421,9 @@
                 </a:solidFill>
               </a:defRPr>
             </a:lvl2pPr>
-            <a:lvl3pPr marL="914400" indent="0">
-              <a:buNone/>
-              <a:defRPr sz="1800">
+            <a:lvl3pPr marL="670530" indent="0">
+              <a:buNone/>
+              <a:defRPr sz="1320">
                 <a:solidFill>
                   <a:schemeClr val="tx1">
                     <a:tint val="75000"/>
@@ -2461,9 +2431,9 @@
                 </a:solidFill>
               </a:defRPr>
             </a:lvl3pPr>
-            <a:lvl4pPr marL="1371600" indent="0">
-              <a:buNone/>
-              <a:defRPr sz="1600">
+            <a:lvl4pPr marL="1005794" indent="0">
+              <a:buNone/>
+              <a:defRPr sz="1173">
                 <a:solidFill>
                   <a:schemeClr val="tx1">
                     <a:tint val="75000"/>
@@ -2471,9 +2441,9 @@
                 </a:solidFill>
               </a:defRPr>
             </a:lvl4pPr>
-            <a:lvl5pPr marL="1828800" indent="0">
-              <a:buNone/>
-              <a:defRPr sz="1600">
+            <a:lvl5pPr marL="1341059" indent="0">
+              <a:buNone/>
+              <a:defRPr sz="1173">
                 <a:solidFill>
                   <a:schemeClr val="tx1">
                     <a:tint val="75000"/>
@@ -2481,9 +2451,9 @@
                 </a:solidFill>
               </a:defRPr>
             </a:lvl5pPr>
-            <a:lvl6pPr marL="2286000" indent="0">
-              <a:buNone/>
-              <a:defRPr sz="1600">
+            <a:lvl6pPr marL="1676324" indent="0">
+              <a:buNone/>
+              <a:defRPr sz="1173">
                 <a:solidFill>
                   <a:schemeClr val="tx1">
                     <a:tint val="75000"/>
@@ -2491,9 +2461,9 @@
                 </a:solidFill>
               </a:defRPr>
             </a:lvl6pPr>
-            <a:lvl7pPr marL="2743200" indent="0">
-              <a:buNone/>
-              <a:defRPr sz="1600">
+            <a:lvl7pPr marL="2011589" indent="0">
+              <a:buNone/>
+              <a:defRPr sz="1173">
                 <a:solidFill>
                   <a:schemeClr val="tx1">
                     <a:tint val="75000"/>
@@ -2501,9 +2471,9 @@
                 </a:solidFill>
               </a:defRPr>
             </a:lvl7pPr>
-            <a:lvl8pPr marL="3200400" indent="0">
-              <a:buNone/>
-              <a:defRPr sz="1600">
+            <a:lvl8pPr marL="2346853" indent="0">
+              <a:buNone/>
+              <a:defRPr sz="1173">
                 <a:solidFill>
                   <a:schemeClr val="tx1">
                     <a:tint val="75000"/>
@@ -2511,9 +2481,9 @@
                 </a:solidFill>
               </a:defRPr>
             </a:lvl8pPr>
-            <a:lvl9pPr marL="3657600" indent="0">
-              <a:buNone/>
-              <a:defRPr sz="1600">
+            <a:lvl9pPr marL="2682118" indent="0">
+              <a:buNone/>
+              <a:defRPr sz="1173">
                 <a:solidFill>
                   <a:schemeClr val="tx1">
                     <a:tint val="75000"/>
@@ -2548,7 +2518,7 @@
           <a:p>
             <a:fld id="{BB9690E2-32B0-4B7F-88AC-28CD11FEDFE8}" type="datetimeFigureOut">
               <a:rPr lang="en-US" smtClean="0"/>
-              <a:t>2/6/2023</a:t>
+              <a:t>2/15/2023</a:t>
             </a:fld>
             <a:endParaRPr lang="en-US"/>
           </a:p>
@@ -2599,7 +2569,7 @@
     </p:spTree>
     <p:extLst>
       <p:ext uri="{BB962C8B-B14F-4D97-AF65-F5344CB8AC3E}">
-        <p14:creationId xmlns:p14="http://schemas.microsoft.com/office/powerpoint/2010/main" val="1749026427"/>
+        <p14:creationId xmlns:p14="http://schemas.microsoft.com/office/powerpoint/2010/main" val="2394494046"/>
       </p:ext>
     </p:extLst>
   </p:cSld>
@@ -2661,8 +2631,8 @@
         </p:nvSpPr>
         <p:spPr>
           <a:xfrm>
-            <a:off x="628650" y="1825625"/>
-            <a:ext cx="3886200" cy="4351338"/>
+            <a:off x="785813" y="1338792"/>
+            <a:ext cx="4857750" cy="3190981"/>
           </a:xfrm>
         </p:spPr>
         <p:txBody>
@@ -2718,8 +2688,8 @@
         </p:nvSpPr>
         <p:spPr>
           <a:xfrm>
-            <a:off x="4629150" y="1825625"/>
-            <a:ext cx="3886200" cy="4351338"/>
+            <a:off x="5786438" y="1338792"/>
+            <a:ext cx="4857750" cy="3190981"/>
           </a:xfrm>
         </p:spPr>
         <p:txBody>
@@ -2780,7 +2750,7 @@
           <a:p>
             <a:fld id="{BB9690E2-32B0-4B7F-88AC-28CD11FEDFE8}" type="datetimeFigureOut">
               <a:rPr lang="en-US" smtClean="0"/>
-              <a:t>2/6/2023</a:t>
+              <a:t>2/15/2023</a:t>
             </a:fld>
             <a:endParaRPr lang="en-US"/>
           </a:p>
@@ -2831,7 +2801,7 @@
     </p:spTree>
     <p:extLst>
       <p:ext uri="{BB962C8B-B14F-4D97-AF65-F5344CB8AC3E}">
-        <p14:creationId xmlns:p14="http://schemas.microsoft.com/office/powerpoint/2010/main" val="1956625974"/>
+        <p14:creationId xmlns:p14="http://schemas.microsoft.com/office/powerpoint/2010/main" val="1511071571"/>
       </p:ext>
     </p:extLst>
   </p:cSld>
@@ -2870,8 +2840,8 @@
         </p:nvSpPr>
         <p:spPr>
           <a:xfrm>
-            <a:off x="629841" y="365126"/>
-            <a:ext cx="7886700" cy="1325563"/>
+            <a:off x="787301" y="267758"/>
+            <a:ext cx="9858375" cy="972080"/>
           </a:xfrm>
         </p:spPr>
         <p:txBody>
@@ -2898,8 +2868,8 @@
         </p:nvSpPr>
         <p:spPr>
           <a:xfrm>
-            <a:off x="629842" y="1681163"/>
-            <a:ext cx="3868340" cy="823912"/>
+            <a:off x="787302" y="1232853"/>
+            <a:ext cx="4835425" cy="604202"/>
           </a:xfrm>
         </p:spPr>
         <p:txBody>
@@ -2907,39 +2877,39 @@
           <a:lstStyle>
             <a:lvl1pPr marL="0" indent="0">
               <a:buNone/>
-              <a:defRPr sz="2400" b="1"/>
+              <a:defRPr sz="1760" b="1"/>
             </a:lvl1pPr>
-            <a:lvl2pPr marL="457200" indent="0">
-              <a:buNone/>
-              <a:defRPr sz="2000" b="1"/>
+            <a:lvl2pPr marL="335265" indent="0">
+              <a:buNone/>
+              <a:defRPr sz="1467" b="1"/>
             </a:lvl2pPr>
-            <a:lvl3pPr marL="914400" indent="0">
-              <a:buNone/>
-              <a:defRPr sz="1800" b="1"/>
+            <a:lvl3pPr marL="670530" indent="0">
+              <a:buNone/>
+              <a:defRPr sz="1320" b="1"/>
             </a:lvl3pPr>
-            <a:lvl4pPr marL="1371600" indent="0">
-              <a:buNone/>
-              <a:defRPr sz="1600" b="1"/>
+            <a:lvl4pPr marL="1005794" indent="0">
+              <a:buNone/>
+              <a:defRPr sz="1173" b="1"/>
             </a:lvl4pPr>
-            <a:lvl5pPr marL="1828800" indent="0">
-              <a:buNone/>
-              <a:defRPr sz="1600" b="1"/>
+            <a:lvl5pPr marL="1341059" indent="0">
+              <a:buNone/>
+              <a:defRPr sz="1173" b="1"/>
             </a:lvl5pPr>
-            <a:lvl6pPr marL="2286000" indent="0">
-              <a:buNone/>
-              <a:defRPr sz="1600" b="1"/>
+            <a:lvl6pPr marL="1676324" indent="0">
+              <a:buNone/>
+              <a:defRPr sz="1173" b="1"/>
             </a:lvl6pPr>
-            <a:lvl7pPr marL="2743200" indent="0">
-              <a:buNone/>
-              <a:defRPr sz="1600" b="1"/>
+            <a:lvl7pPr marL="2011589" indent="0">
+              <a:buNone/>
+              <a:defRPr sz="1173" b="1"/>
             </a:lvl7pPr>
-            <a:lvl8pPr marL="3200400" indent="0">
-              <a:buNone/>
-              <a:defRPr sz="1600" b="1"/>
+            <a:lvl8pPr marL="2346853" indent="0">
+              <a:buNone/>
+              <a:defRPr sz="1173" b="1"/>
             </a:lvl8pPr>
-            <a:lvl9pPr marL="3657600" indent="0">
-              <a:buNone/>
-              <a:defRPr sz="1600" b="1"/>
+            <a:lvl9pPr marL="2682118" indent="0">
+              <a:buNone/>
+              <a:defRPr sz="1173" b="1"/>
             </a:lvl9pPr>
           </a:lstStyle>
           <a:p>
@@ -2963,8 +2933,8 @@
         </p:nvSpPr>
         <p:spPr>
           <a:xfrm>
-            <a:off x="629842" y="2505075"/>
-            <a:ext cx="3868340" cy="3684588"/>
+            <a:off x="787302" y="1837055"/>
+            <a:ext cx="4835425" cy="2702031"/>
           </a:xfrm>
         </p:spPr>
         <p:txBody>
@@ -3020,8 +2990,8 @@
         </p:nvSpPr>
         <p:spPr>
           <a:xfrm>
-            <a:off x="4629150" y="1681163"/>
-            <a:ext cx="3887391" cy="823912"/>
+            <a:off x="5786437" y="1232853"/>
+            <a:ext cx="4859239" cy="604202"/>
           </a:xfrm>
         </p:spPr>
         <p:txBody>
@@ -3029,39 +2999,39 @@
           <a:lstStyle>
             <a:lvl1pPr marL="0" indent="0">
               <a:buNone/>
-              <a:defRPr sz="2400" b="1"/>
+              <a:defRPr sz="1760" b="1"/>
             </a:lvl1pPr>
-            <a:lvl2pPr marL="457200" indent="0">
-              <a:buNone/>
-              <a:defRPr sz="2000" b="1"/>
+            <a:lvl2pPr marL="335265" indent="0">
+              <a:buNone/>
+              <a:defRPr sz="1467" b="1"/>
             </a:lvl2pPr>
-            <a:lvl3pPr marL="914400" indent="0">
-              <a:buNone/>
-              <a:defRPr sz="1800" b="1"/>
+            <a:lvl3pPr marL="670530" indent="0">
+              <a:buNone/>
+              <a:defRPr sz="1320" b="1"/>
             </a:lvl3pPr>
-            <a:lvl4pPr marL="1371600" indent="0">
-              <a:buNone/>
-              <a:defRPr sz="1600" b="1"/>
+            <a:lvl4pPr marL="1005794" indent="0">
+              <a:buNone/>
+              <a:defRPr sz="1173" b="1"/>
             </a:lvl4pPr>
-            <a:lvl5pPr marL="1828800" indent="0">
-              <a:buNone/>
-              <a:defRPr sz="1600" b="1"/>
+            <a:lvl5pPr marL="1341059" indent="0">
+              <a:buNone/>
+              <a:defRPr sz="1173" b="1"/>
             </a:lvl5pPr>
-            <a:lvl6pPr marL="2286000" indent="0">
-              <a:buNone/>
-              <a:defRPr sz="1600" b="1"/>
+            <a:lvl6pPr marL="1676324" indent="0">
+              <a:buNone/>
+              <a:defRPr sz="1173" b="1"/>
             </a:lvl6pPr>
-            <a:lvl7pPr marL="2743200" indent="0">
-              <a:buNone/>
-              <a:defRPr sz="1600" b="1"/>
+            <a:lvl7pPr marL="2011589" indent="0">
+              <a:buNone/>
+              <a:defRPr sz="1173" b="1"/>
             </a:lvl7pPr>
-            <a:lvl8pPr marL="3200400" indent="0">
-              <a:buNone/>
-              <a:defRPr sz="1600" b="1"/>
+            <a:lvl8pPr marL="2346853" indent="0">
+              <a:buNone/>
+              <a:defRPr sz="1173" b="1"/>
             </a:lvl8pPr>
-            <a:lvl9pPr marL="3657600" indent="0">
-              <a:buNone/>
-              <a:defRPr sz="1600" b="1"/>
+            <a:lvl9pPr marL="2682118" indent="0">
+              <a:buNone/>
+              <a:defRPr sz="1173" b="1"/>
             </a:lvl9pPr>
           </a:lstStyle>
           <a:p>
@@ -3085,8 +3055,8 @@
         </p:nvSpPr>
         <p:spPr>
           <a:xfrm>
-            <a:off x="4629150" y="2505075"/>
-            <a:ext cx="3887391" cy="3684588"/>
+            <a:off x="5786437" y="1837055"/>
+            <a:ext cx="4859239" cy="2702031"/>
           </a:xfrm>
         </p:spPr>
         <p:txBody>
@@ -3147,7 +3117,7 @@
           <a:p>
             <a:fld id="{BB9690E2-32B0-4B7F-88AC-28CD11FEDFE8}" type="datetimeFigureOut">
               <a:rPr lang="en-US" smtClean="0"/>
-              <a:t>2/6/2023</a:t>
+              <a:t>2/15/2023</a:t>
             </a:fld>
             <a:endParaRPr lang="en-US"/>
           </a:p>
@@ -3198,7 +3168,7 @@
     </p:spTree>
     <p:extLst>
       <p:ext uri="{BB962C8B-B14F-4D97-AF65-F5344CB8AC3E}">
-        <p14:creationId xmlns:p14="http://schemas.microsoft.com/office/powerpoint/2010/main" val="2878826110"/>
+        <p14:creationId xmlns:p14="http://schemas.microsoft.com/office/powerpoint/2010/main" val="3202534047"/>
       </p:ext>
     </p:extLst>
   </p:cSld>
@@ -3265,7 +3235,7 @@
           <a:p>
             <a:fld id="{BB9690E2-32B0-4B7F-88AC-28CD11FEDFE8}" type="datetimeFigureOut">
               <a:rPr lang="en-US" smtClean="0"/>
-              <a:t>2/6/2023</a:t>
+              <a:t>2/15/2023</a:t>
             </a:fld>
             <a:endParaRPr lang="en-US"/>
           </a:p>
@@ -3316,7 +3286,7 @@
     </p:spTree>
     <p:extLst>
       <p:ext uri="{BB962C8B-B14F-4D97-AF65-F5344CB8AC3E}">
-        <p14:creationId xmlns:p14="http://schemas.microsoft.com/office/powerpoint/2010/main" val="2848477051"/>
+        <p14:creationId xmlns:p14="http://schemas.microsoft.com/office/powerpoint/2010/main" val="2084629611"/>
       </p:ext>
     </p:extLst>
   </p:cSld>
@@ -3360,7 +3330,7 @@
           <a:p>
             <a:fld id="{BB9690E2-32B0-4B7F-88AC-28CD11FEDFE8}" type="datetimeFigureOut">
               <a:rPr lang="en-US" smtClean="0"/>
-              <a:t>2/6/2023</a:t>
+              <a:t>2/15/2023</a:t>
             </a:fld>
             <a:endParaRPr lang="en-US"/>
           </a:p>
@@ -3411,7 +3381,7 @@
     </p:spTree>
     <p:extLst>
       <p:ext uri="{BB962C8B-B14F-4D97-AF65-F5344CB8AC3E}">
-        <p14:creationId xmlns:p14="http://schemas.microsoft.com/office/powerpoint/2010/main" val="2386773285"/>
+        <p14:creationId xmlns:p14="http://schemas.microsoft.com/office/powerpoint/2010/main" val="1078098960"/>
       </p:ext>
     </p:extLst>
   </p:cSld>
@@ -3450,15 +3420,15 @@
         </p:nvSpPr>
         <p:spPr>
           <a:xfrm>
-            <a:off x="629841" y="457200"/>
-            <a:ext cx="2949178" cy="1600200"/>
+            <a:off x="787302" y="335280"/>
+            <a:ext cx="3686472" cy="1173480"/>
           </a:xfrm>
         </p:spPr>
         <p:txBody>
           <a:bodyPr anchor="b"/>
           <a:lstStyle>
             <a:lvl1pPr>
-              <a:defRPr sz="3200"/>
+              <a:defRPr sz="2347"/>
             </a:lvl1pPr>
           </a:lstStyle>
           <a:p>
@@ -3482,39 +3452,39 @@
         </p:nvSpPr>
         <p:spPr>
           <a:xfrm>
-            <a:off x="3887391" y="987426"/>
-            <a:ext cx="4629150" cy="4873625"/>
+            <a:off x="4859238" y="724112"/>
+            <a:ext cx="5786438" cy="3573992"/>
           </a:xfrm>
         </p:spPr>
         <p:txBody>
           <a:bodyPr/>
           <a:lstStyle>
             <a:lvl1pPr>
-              <a:defRPr sz="3200"/>
+              <a:defRPr sz="2347"/>
             </a:lvl1pPr>
             <a:lvl2pPr>
-              <a:defRPr sz="2800"/>
+              <a:defRPr sz="2053"/>
             </a:lvl2pPr>
             <a:lvl3pPr>
-              <a:defRPr sz="2400"/>
+              <a:defRPr sz="1760"/>
             </a:lvl3pPr>
             <a:lvl4pPr>
-              <a:defRPr sz="2000"/>
+              <a:defRPr sz="1467"/>
             </a:lvl4pPr>
             <a:lvl5pPr>
-              <a:defRPr sz="2000"/>
+              <a:defRPr sz="1467"/>
             </a:lvl5pPr>
             <a:lvl6pPr>
-              <a:defRPr sz="2000"/>
+              <a:defRPr sz="1467"/>
             </a:lvl6pPr>
             <a:lvl7pPr>
-              <a:defRPr sz="2000"/>
+              <a:defRPr sz="1467"/>
             </a:lvl7pPr>
             <a:lvl8pPr>
-              <a:defRPr sz="2000"/>
+              <a:defRPr sz="1467"/>
             </a:lvl8pPr>
             <a:lvl9pPr>
-              <a:defRPr sz="2000"/>
+              <a:defRPr sz="1467"/>
             </a:lvl9pPr>
           </a:lstStyle>
           <a:p>
@@ -3567,8 +3537,8 @@
         </p:nvSpPr>
         <p:spPr>
           <a:xfrm>
-            <a:off x="629841" y="2057400"/>
-            <a:ext cx="2949178" cy="3811588"/>
+            <a:off x="787302" y="1508760"/>
+            <a:ext cx="3686472" cy="2795165"/>
           </a:xfrm>
         </p:spPr>
         <p:txBody>
@@ -3576,39 +3546,39 @@
           <a:lstStyle>
             <a:lvl1pPr marL="0" indent="0">
               <a:buNone/>
-              <a:defRPr sz="1600"/>
+              <a:defRPr sz="1173"/>
             </a:lvl1pPr>
-            <a:lvl2pPr marL="457200" indent="0">
-              <a:buNone/>
-              <a:defRPr sz="1400"/>
+            <a:lvl2pPr marL="335265" indent="0">
+              <a:buNone/>
+              <a:defRPr sz="1027"/>
             </a:lvl2pPr>
-            <a:lvl3pPr marL="914400" indent="0">
-              <a:buNone/>
-              <a:defRPr sz="1200"/>
+            <a:lvl3pPr marL="670530" indent="0">
+              <a:buNone/>
+              <a:defRPr sz="880"/>
             </a:lvl3pPr>
-            <a:lvl4pPr marL="1371600" indent="0">
-              <a:buNone/>
-              <a:defRPr sz="1000"/>
+            <a:lvl4pPr marL="1005794" indent="0">
+              <a:buNone/>
+              <a:defRPr sz="733"/>
             </a:lvl4pPr>
-            <a:lvl5pPr marL="1828800" indent="0">
-              <a:buNone/>
-              <a:defRPr sz="1000"/>
+            <a:lvl5pPr marL="1341059" indent="0">
+              <a:buNone/>
+              <a:defRPr sz="733"/>
             </a:lvl5pPr>
-            <a:lvl6pPr marL="2286000" indent="0">
-              <a:buNone/>
-              <a:defRPr sz="1000"/>
+            <a:lvl6pPr marL="1676324" indent="0">
+              <a:buNone/>
+              <a:defRPr sz="733"/>
             </a:lvl6pPr>
-            <a:lvl7pPr marL="2743200" indent="0">
-              <a:buNone/>
-              <a:defRPr sz="1000"/>
+            <a:lvl7pPr marL="2011589" indent="0">
+              <a:buNone/>
+              <a:defRPr sz="733"/>
             </a:lvl7pPr>
-            <a:lvl8pPr marL="3200400" indent="0">
-              <a:buNone/>
-              <a:defRPr sz="1000"/>
+            <a:lvl8pPr marL="2346853" indent="0">
+              <a:buNone/>
+              <a:defRPr sz="733"/>
             </a:lvl8pPr>
-            <a:lvl9pPr marL="3657600" indent="0">
-              <a:buNone/>
-              <a:defRPr sz="1000"/>
+            <a:lvl9pPr marL="2682118" indent="0">
+              <a:buNone/>
+              <a:defRPr sz="733"/>
             </a:lvl9pPr>
           </a:lstStyle>
           <a:p>
@@ -3637,7 +3607,7 @@
           <a:p>
             <a:fld id="{BB9690E2-32B0-4B7F-88AC-28CD11FEDFE8}" type="datetimeFigureOut">
               <a:rPr lang="en-US" smtClean="0"/>
-              <a:t>2/6/2023</a:t>
+              <a:t>2/15/2023</a:t>
             </a:fld>
             <a:endParaRPr lang="en-US"/>
           </a:p>
@@ -3688,7 +3658,7 @@
     </p:spTree>
     <p:extLst>
       <p:ext uri="{BB962C8B-B14F-4D97-AF65-F5344CB8AC3E}">
-        <p14:creationId xmlns:p14="http://schemas.microsoft.com/office/powerpoint/2010/main" val="546384279"/>
+        <p14:creationId xmlns:p14="http://schemas.microsoft.com/office/powerpoint/2010/main" val="3315381366"/>
       </p:ext>
     </p:extLst>
   </p:cSld>
@@ -3727,15 +3697,15 @@
         </p:nvSpPr>
         <p:spPr>
           <a:xfrm>
-            <a:off x="629841" y="457200"/>
-            <a:ext cx="2949178" cy="1600200"/>
+            <a:off x="787302" y="335280"/>
+            <a:ext cx="3686472" cy="1173480"/>
           </a:xfrm>
         </p:spPr>
         <p:txBody>
           <a:bodyPr anchor="b"/>
           <a:lstStyle>
             <a:lvl1pPr>
-              <a:defRPr sz="3200"/>
+              <a:defRPr sz="2347"/>
             </a:lvl1pPr>
           </a:lstStyle>
           <a:p>
@@ -3759,8 +3729,8 @@
         </p:nvSpPr>
         <p:spPr>
           <a:xfrm>
-            <a:off x="3887391" y="987426"/>
-            <a:ext cx="4629150" cy="4873625"/>
+            <a:off x="4859238" y="724112"/>
+            <a:ext cx="5786438" cy="3573992"/>
           </a:xfrm>
         </p:spPr>
         <p:txBody>
@@ -3768,39 +3738,39 @@
           <a:lstStyle>
             <a:lvl1pPr marL="0" indent="0">
               <a:buNone/>
-              <a:defRPr sz="3200"/>
+              <a:defRPr sz="2347"/>
             </a:lvl1pPr>
-            <a:lvl2pPr marL="457200" indent="0">
-              <a:buNone/>
-              <a:defRPr sz="2800"/>
+            <a:lvl2pPr marL="335265" indent="0">
+              <a:buNone/>
+              <a:defRPr sz="2053"/>
             </a:lvl2pPr>
-            <a:lvl3pPr marL="914400" indent="0">
-              <a:buNone/>
-              <a:defRPr sz="2400"/>
+            <a:lvl3pPr marL="670530" indent="0">
+              <a:buNone/>
+              <a:defRPr sz="1760"/>
             </a:lvl3pPr>
-            <a:lvl4pPr marL="1371600" indent="0">
-              <a:buNone/>
-              <a:defRPr sz="2000"/>
+            <a:lvl4pPr marL="1005794" indent="0">
+              <a:buNone/>
+              <a:defRPr sz="1467"/>
             </a:lvl4pPr>
-            <a:lvl5pPr marL="1828800" indent="0">
-              <a:buNone/>
-              <a:defRPr sz="2000"/>
+            <a:lvl5pPr marL="1341059" indent="0">
+              <a:buNone/>
+              <a:defRPr sz="1467"/>
             </a:lvl5pPr>
-            <a:lvl6pPr marL="2286000" indent="0">
-              <a:buNone/>
-              <a:defRPr sz="2000"/>
+            <a:lvl6pPr marL="1676324" indent="0">
+              <a:buNone/>
+              <a:defRPr sz="1467"/>
             </a:lvl6pPr>
-            <a:lvl7pPr marL="2743200" indent="0">
-              <a:buNone/>
-              <a:defRPr sz="2000"/>
+            <a:lvl7pPr marL="2011589" indent="0">
+              <a:buNone/>
+              <a:defRPr sz="1467"/>
             </a:lvl7pPr>
-            <a:lvl8pPr marL="3200400" indent="0">
-              <a:buNone/>
-              <a:defRPr sz="2000"/>
+            <a:lvl8pPr marL="2346853" indent="0">
+              <a:buNone/>
+              <a:defRPr sz="1467"/>
             </a:lvl8pPr>
-            <a:lvl9pPr marL="3657600" indent="0">
-              <a:buNone/>
-              <a:defRPr sz="2000"/>
+            <a:lvl9pPr marL="2682118" indent="0">
+              <a:buNone/>
+              <a:defRPr sz="1467"/>
             </a:lvl9pPr>
           </a:lstStyle>
           <a:p>
@@ -3824,8 +3794,8 @@
         </p:nvSpPr>
         <p:spPr>
           <a:xfrm>
-            <a:off x="629841" y="2057400"/>
-            <a:ext cx="2949178" cy="3811588"/>
+            <a:off x="787302" y="1508760"/>
+            <a:ext cx="3686472" cy="2795165"/>
           </a:xfrm>
         </p:spPr>
         <p:txBody>
@@ -3833,39 +3803,39 @@
           <a:lstStyle>
             <a:lvl1pPr marL="0" indent="0">
               <a:buNone/>
-              <a:defRPr sz="1600"/>
+              <a:defRPr sz="1173"/>
             </a:lvl1pPr>
-            <a:lvl2pPr marL="457200" indent="0">
-              <a:buNone/>
-              <a:defRPr sz="1400"/>
+            <a:lvl2pPr marL="335265" indent="0">
+              <a:buNone/>
+              <a:defRPr sz="1027"/>
             </a:lvl2pPr>
-            <a:lvl3pPr marL="914400" indent="0">
-              <a:buNone/>
-              <a:defRPr sz="1200"/>
+            <a:lvl3pPr marL="670530" indent="0">
+              <a:buNone/>
+              <a:defRPr sz="880"/>
             </a:lvl3pPr>
-            <a:lvl4pPr marL="1371600" indent="0">
-              <a:buNone/>
-              <a:defRPr sz="1000"/>
+            <a:lvl4pPr marL="1005794" indent="0">
+              <a:buNone/>
+              <a:defRPr sz="733"/>
             </a:lvl4pPr>
-            <a:lvl5pPr marL="1828800" indent="0">
-              <a:buNone/>
-              <a:defRPr sz="1000"/>
+            <a:lvl5pPr marL="1341059" indent="0">
+              <a:buNone/>
+              <a:defRPr sz="733"/>
             </a:lvl5pPr>
-            <a:lvl6pPr marL="2286000" indent="0">
-              <a:buNone/>
-              <a:defRPr sz="1000"/>
+            <a:lvl6pPr marL="1676324" indent="0">
+              <a:buNone/>
+              <a:defRPr sz="733"/>
             </a:lvl6pPr>
-            <a:lvl7pPr marL="2743200" indent="0">
-              <a:buNone/>
-              <a:defRPr sz="1000"/>
+            <a:lvl7pPr marL="2011589" indent="0">
+              <a:buNone/>
+              <a:defRPr sz="733"/>
             </a:lvl7pPr>
-            <a:lvl8pPr marL="3200400" indent="0">
-              <a:buNone/>
-              <a:defRPr sz="1000"/>
+            <a:lvl8pPr marL="2346853" indent="0">
+              <a:buNone/>
+              <a:defRPr sz="733"/>
             </a:lvl8pPr>
-            <a:lvl9pPr marL="3657600" indent="0">
-              <a:buNone/>
-              <a:defRPr sz="1000"/>
+            <a:lvl9pPr marL="2682118" indent="0">
+              <a:buNone/>
+              <a:defRPr sz="733"/>
             </a:lvl9pPr>
           </a:lstStyle>
           <a:p>
@@ -3894,7 +3864,7 @@
           <a:p>
             <a:fld id="{BB9690E2-32B0-4B7F-88AC-28CD11FEDFE8}" type="datetimeFigureOut">
               <a:rPr lang="en-US" smtClean="0"/>
-              <a:t>2/6/2023</a:t>
+              <a:t>2/15/2023</a:t>
             </a:fld>
             <a:endParaRPr lang="en-US"/>
           </a:p>
@@ -3945,7 +3915,7 @@
     </p:spTree>
     <p:extLst>
       <p:ext uri="{BB962C8B-B14F-4D97-AF65-F5344CB8AC3E}">
-        <p14:creationId xmlns:p14="http://schemas.microsoft.com/office/powerpoint/2010/main" val="3783407124"/>
+        <p14:creationId xmlns:p14="http://schemas.microsoft.com/office/powerpoint/2010/main" val="3706814976"/>
       </p:ext>
     </p:extLst>
   </p:cSld>
@@ -3989,8 +3959,8 @@
         </p:nvSpPr>
         <p:spPr>
           <a:xfrm>
-            <a:off x="628650" y="365126"/>
-            <a:ext cx="7886700" cy="1325563"/>
+            <a:off x="785813" y="267758"/>
+            <a:ext cx="9858375" cy="972080"/>
           </a:xfrm>
           <a:prstGeom prst="rect">
             <a:avLst/>
@@ -4022,8 +3992,8 @@
         </p:nvSpPr>
         <p:spPr>
           <a:xfrm>
-            <a:off x="628650" y="1825625"/>
-            <a:ext cx="7886700" cy="4351338"/>
+            <a:off x="785813" y="1338792"/>
+            <a:ext cx="9858375" cy="3190981"/>
           </a:xfrm>
           <a:prstGeom prst="rect">
             <a:avLst/>
@@ -4084,8 +4054,8 @@
         </p:nvSpPr>
         <p:spPr>
           <a:xfrm>
-            <a:off x="628650" y="6356351"/>
-            <a:ext cx="2057400" cy="365125"/>
+            <a:off x="785813" y="4661324"/>
+            <a:ext cx="2571750" cy="267758"/>
           </a:xfrm>
           <a:prstGeom prst="rect">
             <a:avLst/>
@@ -4095,7 +4065,7 @@
           <a:bodyPr vert="horz" lIns="91440" tIns="45720" rIns="91440" bIns="45720" rtlCol="0" anchor="ctr"/>
           <a:lstStyle>
             <a:lvl1pPr algn="l">
-              <a:defRPr sz="1200">
+              <a:defRPr sz="880">
                 <a:solidFill>
                   <a:schemeClr val="tx1">
                     <a:tint val="75000"/>
@@ -4107,7 +4077,7 @@
           <a:p>
             <a:fld id="{BB9690E2-32B0-4B7F-88AC-28CD11FEDFE8}" type="datetimeFigureOut">
               <a:rPr lang="en-US" smtClean="0"/>
-              <a:t>2/6/2023</a:t>
+              <a:t>2/15/2023</a:t>
             </a:fld>
             <a:endParaRPr lang="en-US"/>
           </a:p>
@@ -4125,8 +4095,8 @@
         </p:nvSpPr>
         <p:spPr>
           <a:xfrm>
-            <a:off x="3028950" y="6356351"/>
-            <a:ext cx="3086100" cy="365125"/>
+            <a:off x="3786188" y="4661324"/>
+            <a:ext cx="3857625" cy="267758"/>
           </a:xfrm>
           <a:prstGeom prst="rect">
             <a:avLst/>
@@ -4136,7 +4106,7 @@
           <a:bodyPr vert="horz" lIns="91440" tIns="45720" rIns="91440" bIns="45720" rtlCol="0" anchor="ctr"/>
           <a:lstStyle>
             <a:lvl1pPr algn="ctr">
-              <a:defRPr sz="1200">
+              <a:defRPr sz="880">
                 <a:solidFill>
                   <a:schemeClr val="tx1">
                     <a:tint val="75000"/>
@@ -4162,8 +4132,8 @@
         </p:nvSpPr>
         <p:spPr>
           <a:xfrm>
-            <a:off x="6457950" y="6356351"/>
-            <a:ext cx="2057400" cy="365125"/>
+            <a:off x="8072438" y="4661324"/>
+            <a:ext cx="2571750" cy="267758"/>
           </a:xfrm>
           <a:prstGeom prst="rect">
             <a:avLst/>
@@ -4173,7 +4143,7 @@
           <a:bodyPr vert="horz" lIns="91440" tIns="45720" rIns="91440" bIns="45720" rtlCol="0" anchor="ctr"/>
           <a:lstStyle>
             <a:lvl1pPr algn="r">
-              <a:defRPr sz="1200">
+              <a:defRPr sz="880">
                 <a:solidFill>
                   <a:schemeClr val="tx1">
                     <a:tint val="75000"/>
@@ -4194,27 +4164,27 @@
     </p:spTree>
     <p:extLst>
       <p:ext uri="{BB962C8B-B14F-4D97-AF65-F5344CB8AC3E}">
-        <p14:creationId xmlns:p14="http://schemas.microsoft.com/office/powerpoint/2010/main" val="1434586071"/>
+        <p14:creationId xmlns:p14="http://schemas.microsoft.com/office/powerpoint/2010/main" val="4088626959"/>
       </p:ext>
     </p:extLst>
   </p:cSld>
   <p:clrMap bg1="lt1" tx1="dk1" bg2="lt2" tx2="dk2" accent1="accent1" accent2="accent2" accent3="accent3" accent4="accent4" accent5="accent5" accent6="accent6" hlink="hlink" folHlink="folHlink"/>
   <p:sldLayoutIdLst>
-    <p:sldLayoutId id="2147483661" r:id="rId1"/>
-    <p:sldLayoutId id="2147483662" r:id="rId2"/>
-    <p:sldLayoutId id="2147483663" r:id="rId3"/>
-    <p:sldLayoutId id="2147483664" r:id="rId4"/>
-    <p:sldLayoutId id="2147483665" r:id="rId5"/>
-    <p:sldLayoutId id="2147483666" r:id="rId6"/>
-    <p:sldLayoutId id="2147483667" r:id="rId7"/>
-    <p:sldLayoutId id="2147483668" r:id="rId8"/>
-    <p:sldLayoutId id="2147483669" r:id="rId9"/>
-    <p:sldLayoutId id="2147483670" r:id="rId10"/>
-    <p:sldLayoutId id="2147483671" r:id="rId11"/>
+    <p:sldLayoutId id="2147483673" r:id="rId1"/>
+    <p:sldLayoutId id="2147483674" r:id="rId2"/>
+    <p:sldLayoutId id="2147483675" r:id="rId3"/>
+    <p:sldLayoutId id="2147483676" r:id="rId4"/>
+    <p:sldLayoutId id="2147483677" r:id="rId5"/>
+    <p:sldLayoutId id="2147483678" r:id="rId6"/>
+    <p:sldLayoutId id="2147483679" r:id="rId7"/>
+    <p:sldLayoutId id="2147483680" r:id="rId8"/>
+    <p:sldLayoutId id="2147483681" r:id="rId9"/>
+    <p:sldLayoutId id="2147483682" r:id="rId10"/>
+    <p:sldLayoutId id="2147483683" r:id="rId11"/>
   </p:sldLayoutIdLst>
   <p:txStyles>
     <p:titleStyle>
-      <a:lvl1pPr algn="l" defTabSz="914400" rtl="0" eaLnBrk="1" latinLnBrk="0" hangingPunct="1">
+      <a:lvl1pPr algn="l" defTabSz="670530" rtl="0" eaLnBrk="1" latinLnBrk="0" hangingPunct="1">
         <a:lnSpc>
           <a:spcPct val="90000"/>
         </a:lnSpc>
@@ -4222,7 +4192,7 @@
           <a:spcPct val="0"/>
         </a:spcBef>
         <a:buNone/>
-        <a:defRPr sz="4400" kern="1200">
+        <a:defRPr sz="3227" kern="1200">
           <a:solidFill>
             <a:schemeClr val="tx1"/>
           </a:solidFill>
@@ -4233,16 +4203,16 @@
       </a:lvl1pPr>
     </p:titleStyle>
     <p:bodyStyle>
-      <a:lvl1pPr marL="228600" indent="-228600" algn="l" defTabSz="914400" rtl="0" eaLnBrk="1" latinLnBrk="0" hangingPunct="1">
+      <a:lvl1pPr marL="167632" indent="-167632" algn="l" defTabSz="670530" rtl="0" eaLnBrk="1" latinLnBrk="0" hangingPunct="1">
         <a:lnSpc>
           <a:spcPct val="90000"/>
         </a:lnSpc>
         <a:spcBef>
-          <a:spcPts val="1000"/>
+          <a:spcPts val="733"/>
         </a:spcBef>
         <a:buFont typeface="Arial" panose="020B0604020202020204" pitchFamily="34" charset="0"/>
         <a:buChar char="•"/>
-        <a:defRPr sz="2800" kern="1200">
+        <a:defRPr sz="2053" kern="1200">
           <a:solidFill>
             <a:schemeClr val="tx1"/>
           </a:solidFill>
@@ -4251,16 +4221,16 @@
           <a:cs typeface="+mn-cs"/>
         </a:defRPr>
       </a:lvl1pPr>
-      <a:lvl2pPr marL="685800" indent="-228600" algn="l" defTabSz="914400" rtl="0" eaLnBrk="1" latinLnBrk="0" hangingPunct="1">
+      <a:lvl2pPr marL="502897" indent="-167632" algn="l" defTabSz="670530" rtl="0" eaLnBrk="1" latinLnBrk="0" hangingPunct="1">
         <a:lnSpc>
           <a:spcPct val="90000"/>
         </a:lnSpc>
         <a:spcBef>
-          <a:spcPts val="500"/>
+          <a:spcPts val="367"/>
         </a:spcBef>
         <a:buFont typeface="Arial" panose="020B0604020202020204" pitchFamily="34" charset="0"/>
         <a:buChar char="•"/>
-        <a:defRPr sz="2400" kern="1200">
+        <a:defRPr sz="1760" kern="1200">
           <a:solidFill>
             <a:schemeClr val="tx1"/>
           </a:solidFill>
@@ -4269,16 +4239,16 @@
           <a:cs typeface="+mn-cs"/>
         </a:defRPr>
       </a:lvl2pPr>
-      <a:lvl3pPr marL="1143000" indent="-228600" algn="l" defTabSz="914400" rtl="0" eaLnBrk="1" latinLnBrk="0" hangingPunct="1">
+      <a:lvl3pPr marL="838162" indent="-167632" algn="l" defTabSz="670530" rtl="0" eaLnBrk="1" latinLnBrk="0" hangingPunct="1">
         <a:lnSpc>
           <a:spcPct val="90000"/>
         </a:lnSpc>
         <a:spcBef>
-          <a:spcPts val="500"/>
+          <a:spcPts val="367"/>
         </a:spcBef>
         <a:buFont typeface="Arial" panose="020B0604020202020204" pitchFamily="34" charset="0"/>
         <a:buChar char="•"/>
-        <a:defRPr sz="2000" kern="1200">
+        <a:defRPr sz="1467" kern="1200">
           <a:solidFill>
             <a:schemeClr val="tx1"/>
           </a:solidFill>
@@ -4287,16 +4257,16 @@
           <a:cs typeface="+mn-cs"/>
         </a:defRPr>
       </a:lvl3pPr>
-      <a:lvl4pPr marL="1600200" indent="-228600" algn="l" defTabSz="914400" rtl="0" eaLnBrk="1" latinLnBrk="0" hangingPunct="1">
+      <a:lvl4pPr marL="1173427" indent="-167632" algn="l" defTabSz="670530" rtl="0" eaLnBrk="1" latinLnBrk="0" hangingPunct="1">
         <a:lnSpc>
           <a:spcPct val="90000"/>
         </a:lnSpc>
         <a:spcBef>
-          <a:spcPts val="500"/>
+          <a:spcPts val="367"/>
         </a:spcBef>
         <a:buFont typeface="Arial" panose="020B0604020202020204" pitchFamily="34" charset="0"/>
         <a:buChar char="•"/>
-        <a:defRPr sz="1800" kern="1200">
+        <a:defRPr sz="1320" kern="1200">
           <a:solidFill>
             <a:schemeClr val="tx1"/>
           </a:solidFill>
@@ -4305,16 +4275,16 @@
           <a:cs typeface="+mn-cs"/>
         </a:defRPr>
       </a:lvl4pPr>
-      <a:lvl5pPr marL="2057400" indent="-228600" algn="l" defTabSz="914400" rtl="0" eaLnBrk="1" latinLnBrk="0" hangingPunct="1">
+      <a:lvl5pPr marL="1508691" indent="-167632" algn="l" defTabSz="670530" rtl="0" eaLnBrk="1" latinLnBrk="0" hangingPunct="1">
         <a:lnSpc>
           <a:spcPct val="90000"/>
         </a:lnSpc>
         <a:spcBef>
-          <a:spcPts val="500"/>
+          <a:spcPts val="367"/>
         </a:spcBef>
         <a:buFont typeface="Arial" panose="020B0604020202020204" pitchFamily="34" charset="0"/>
         <a:buChar char="•"/>
-        <a:defRPr sz="1800" kern="1200">
+        <a:defRPr sz="1320" kern="1200">
           <a:solidFill>
             <a:schemeClr val="tx1"/>
           </a:solidFill>
@@ -4323,16 +4293,16 @@
           <a:cs typeface="+mn-cs"/>
         </a:defRPr>
       </a:lvl5pPr>
-      <a:lvl6pPr marL="2514600" indent="-228600" algn="l" defTabSz="914400" rtl="0" eaLnBrk="1" latinLnBrk="0" hangingPunct="1">
+      <a:lvl6pPr marL="1843956" indent="-167632" algn="l" defTabSz="670530" rtl="0" eaLnBrk="1" latinLnBrk="0" hangingPunct="1">
         <a:lnSpc>
           <a:spcPct val="90000"/>
         </a:lnSpc>
         <a:spcBef>
-          <a:spcPts val="500"/>
+          <a:spcPts val="367"/>
         </a:spcBef>
         <a:buFont typeface="Arial" panose="020B0604020202020204" pitchFamily="34" charset="0"/>
         <a:buChar char="•"/>
-        <a:defRPr sz="1800" kern="1200">
+        <a:defRPr sz="1320" kern="1200">
           <a:solidFill>
             <a:schemeClr val="tx1"/>
           </a:solidFill>
@@ -4341,16 +4311,16 @@
           <a:cs typeface="+mn-cs"/>
         </a:defRPr>
       </a:lvl6pPr>
-      <a:lvl7pPr marL="2971800" indent="-228600" algn="l" defTabSz="914400" rtl="0" eaLnBrk="1" latinLnBrk="0" hangingPunct="1">
+      <a:lvl7pPr marL="2179221" indent="-167632" algn="l" defTabSz="670530" rtl="0" eaLnBrk="1" latinLnBrk="0" hangingPunct="1">
         <a:lnSpc>
           <a:spcPct val="90000"/>
         </a:lnSpc>
         <a:spcBef>
-          <a:spcPts val="500"/>
+          <a:spcPts val="367"/>
         </a:spcBef>
         <a:buFont typeface="Arial" panose="020B0604020202020204" pitchFamily="34" charset="0"/>
         <a:buChar char="•"/>
-        <a:defRPr sz="1800" kern="1200">
+        <a:defRPr sz="1320" kern="1200">
           <a:solidFill>
             <a:schemeClr val="tx1"/>
           </a:solidFill>
@@ -4359,16 +4329,16 @@
           <a:cs typeface="+mn-cs"/>
         </a:defRPr>
       </a:lvl7pPr>
-      <a:lvl8pPr marL="3429000" indent="-228600" algn="l" defTabSz="914400" rtl="0" eaLnBrk="1" latinLnBrk="0" hangingPunct="1">
+      <a:lvl8pPr marL="2514486" indent="-167632" algn="l" defTabSz="670530" rtl="0" eaLnBrk="1" latinLnBrk="0" hangingPunct="1">
         <a:lnSpc>
           <a:spcPct val="90000"/>
         </a:lnSpc>
         <a:spcBef>
-          <a:spcPts val="500"/>
+          <a:spcPts val="367"/>
         </a:spcBef>
         <a:buFont typeface="Arial" panose="020B0604020202020204" pitchFamily="34" charset="0"/>
         <a:buChar char="•"/>
-        <a:defRPr sz="1800" kern="1200">
+        <a:defRPr sz="1320" kern="1200">
           <a:solidFill>
             <a:schemeClr val="tx1"/>
           </a:solidFill>
@@ -4377,16 +4347,16 @@
           <a:cs typeface="+mn-cs"/>
         </a:defRPr>
       </a:lvl8pPr>
-      <a:lvl9pPr marL="3886200" indent="-228600" algn="l" defTabSz="914400" rtl="0" eaLnBrk="1" latinLnBrk="0" hangingPunct="1">
+      <a:lvl9pPr marL="2849750" indent="-167632" algn="l" defTabSz="670530" rtl="0" eaLnBrk="1" latinLnBrk="0" hangingPunct="1">
         <a:lnSpc>
           <a:spcPct val="90000"/>
         </a:lnSpc>
         <a:spcBef>
-          <a:spcPts val="500"/>
+          <a:spcPts val="367"/>
         </a:spcBef>
         <a:buFont typeface="Arial" panose="020B0604020202020204" pitchFamily="34" charset="0"/>
         <a:buChar char="•"/>
-        <a:defRPr sz="1800" kern="1200">
+        <a:defRPr sz="1320" kern="1200">
           <a:solidFill>
             <a:schemeClr val="tx1"/>
           </a:solidFill>
@@ -4400,8 +4370,8 @@
       <a:defPPr>
         <a:defRPr lang="en-US"/>
       </a:defPPr>
-      <a:lvl1pPr marL="0" algn="l" defTabSz="914400" rtl="0" eaLnBrk="1" latinLnBrk="0" hangingPunct="1">
-        <a:defRPr sz="1800" kern="1200">
+      <a:lvl1pPr marL="0" algn="l" defTabSz="670530" rtl="0" eaLnBrk="1" latinLnBrk="0" hangingPunct="1">
+        <a:defRPr sz="1320" kern="1200">
           <a:solidFill>
             <a:schemeClr val="tx1"/>
           </a:solidFill>
@@ -4410,8 +4380,8 @@
           <a:cs typeface="+mn-cs"/>
         </a:defRPr>
       </a:lvl1pPr>
-      <a:lvl2pPr marL="457200" algn="l" defTabSz="914400" rtl="0" eaLnBrk="1" latinLnBrk="0" hangingPunct="1">
-        <a:defRPr sz="1800" kern="1200">
+      <a:lvl2pPr marL="335265" algn="l" defTabSz="670530" rtl="0" eaLnBrk="1" latinLnBrk="0" hangingPunct="1">
+        <a:defRPr sz="1320" kern="1200">
           <a:solidFill>
             <a:schemeClr val="tx1"/>
           </a:solidFill>
@@ -4420,8 +4390,8 @@
           <a:cs typeface="+mn-cs"/>
         </a:defRPr>
       </a:lvl2pPr>
-      <a:lvl3pPr marL="914400" algn="l" defTabSz="914400" rtl="0" eaLnBrk="1" latinLnBrk="0" hangingPunct="1">
-        <a:defRPr sz="1800" kern="1200">
+      <a:lvl3pPr marL="670530" algn="l" defTabSz="670530" rtl="0" eaLnBrk="1" latinLnBrk="0" hangingPunct="1">
+        <a:defRPr sz="1320" kern="1200">
           <a:solidFill>
             <a:schemeClr val="tx1"/>
           </a:solidFill>
@@ -4430,8 +4400,8 @@
           <a:cs typeface="+mn-cs"/>
         </a:defRPr>
       </a:lvl3pPr>
-      <a:lvl4pPr marL="1371600" algn="l" defTabSz="914400" rtl="0" eaLnBrk="1" latinLnBrk="0" hangingPunct="1">
-        <a:defRPr sz="1800" kern="1200">
+      <a:lvl4pPr marL="1005794" algn="l" defTabSz="670530" rtl="0" eaLnBrk="1" latinLnBrk="0" hangingPunct="1">
+        <a:defRPr sz="1320" kern="1200">
           <a:solidFill>
             <a:schemeClr val="tx1"/>
           </a:solidFill>
@@ -4440,8 +4410,8 @@
           <a:cs typeface="+mn-cs"/>
         </a:defRPr>
       </a:lvl4pPr>
-      <a:lvl5pPr marL="1828800" algn="l" defTabSz="914400" rtl="0" eaLnBrk="1" latinLnBrk="0" hangingPunct="1">
-        <a:defRPr sz="1800" kern="1200">
+      <a:lvl5pPr marL="1341059" algn="l" defTabSz="670530" rtl="0" eaLnBrk="1" latinLnBrk="0" hangingPunct="1">
+        <a:defRPr sz="1320" kern="1200">
           <a:solidFill>
             <a:schemeClr val="tx1"/>
           </a:solidFill>
@@ -4450,8 +4420,8 @@
           <a:cs typeface="+mn-cs"/>
         </a:defRPr>
       </a:lvl5pPr>
-      <a:lvl6pPr marL="2286000" algn="l" defTabSz="914400" rtl="0" eaLnBrk="1" latinLnBrk="0" hangingPunct="1">
-        <a:defRPr sz="1800" kern="1200">
+      <a:lvl6pPr marL="1676324" algn="l" defTabSz="670530" rtl="0" eaLnBrk="1" latinLnBrk="0" hangingPunct="1">
+        <a:defRPr sz="1320" kern="1200">
           <a:solidFill>
             <a:schemeClr val="tx1"/>
           </a:solidFill>
@@ -4460,8 +4430,8 @@
           <a:cs typeface="+mn-cs"/>
         </a:defRPr>
       </a:lvl6pPr>
-      <a:lvl7pPr marL="2743200" algn="l" defTabSz="914400" rtl="0" eaLnBrk="1" latinLnBrk="0" hangingPunct="1">
-        <a:defRPr sz="1800" kern="1200">
+      <a:lvl7pPr marL="2011589" algn="l" defTabSz="670530" rtl="0" eaLnBrk="1" latinLnBrk="0" hangingPunct="1">
+        <a:defRPr sz="1320" kern="1200">
           <a:solidFill>
             <a:schemeClr val="tx1"/>
           </a:solidFill>
@@ -4470,8 +4440,8 @@
           <a:cs typeface="+mn-cs"/>
         </a:defRPr>
       </a:lvl7pPr>
-      <a:lvl8pPr marL="3200400" algn="l" defTabSz="914400" rtl="0" eaLnBrk="1" latinLnBrk="0" hangingPunct="1">
-        <a:defRPr sz="1800" kern="1200">
+      <a:lvl8pPr marL="2346853" algn="l" defTabSz="670530" rtl="0" eaLnBrk="1" latinLnBrk="0" hangingPunct="1">
+        <a:defRPr sz="1320" kern="1200">
           <a:solidFill>
             <a:schemeClr val="tx1"/>
           </a:solidFill>
@@ -4480,8 +4450,8 @@
           <a:cs typeface="+mn-cs"/>
         </a:defRPr>
       </a:lvl8pPr>
-      <a:lvl9pPr marL="3657600" algn="l" defTabSz="914400" rtl="0" eaLnBrk="1" latinLnBrk="0" hangingPunct="1">
-        <a:defRPr sz="1800" kern="1200">
+      <a:lvl9pPr marL="2682118" algn="l" defTabSz="670530" rtl="0" eaLnBrk="1" latinLnBrk="0" hangingPunct="1">
+        <a:defRPr sz="1320" kern="1200">
           <a:solidFill>
             <a:schemeClr val="tx1"/>
           </a:solidFill>
@@ -4527,14 +4497,14 @@
           <p:nvPr>
             <p:extLst>
               <p:ext uri="{D42A27DB-BD31-4B8C-83A1-F6EECF244321}">
-                <p14:modId xmlns:p14="http://schemas.microsoft.com/office/powerpoint/2010/main" val="1736198115"/>
+                <p14:modId xmlns:p14="http://schemas.microsoft.com/office/powerpoint/2010/main" val="1508369817"/>
               </p:ext>
             </p:extLst>
           </p:nvPr>
         </p:nvGraphicFramePr>
         <p:xfrm>
           <a:off x="0" y="0"/>
-          <a:ext cx="9143999" cy="6858000"/>
+          <a:ext cx="11430000" cy="5029200"/>
         </p:xfrm>
         <a:graphic>
           <a:graphicData uri="http://schemas.openxmlformats.org/drawingml/2006/chart">

--- a/images/duplo_completion.pptx
+++ b/images/duplo_completion.pptx
@@ -160,10 +160,12 @@
           </c:tx>
           <c:spPr>
             <a:solidFill>
-              <a:srgbClr val="009944"/>
+              <a:srgbClr val="70AD47"/>
             </a:solidFill>
-            <a:ln>
-              <a:noFill/>
+            <a:ln w="28575">
+              <a:solidFill>
+                <a:sysClr val="windowText" lastClr="000000"/>
+              </a:solidFill>
             </a:ln>
             <a:effectLst/>
           </c:spPr>
@@ -176,7 +178,7 @@
                   <a:bodyPr/>
                   <a:lstStyle/>
                   <a:p>
-                    <a:fld id="{E137455B-32E8-4EA2-A828-6968AFF66D07}" type="CELLRANGE">
+                    <a:fld id="{1BCF6401-268B-4A00-8273-5EAD49D01DEC}" type="CELLRANGE">
                       <a:rPr lang="en-US"/>
                       <a:pPr/>
                       <a:t>[CELLRANGE]</a:t>
@@ -210,7 +212,7 @@
                   <a:bodyPr/>
                   <a:lstStyle/>
                   <a:p>
-                    <a:fld id="{3D692370-C1C6-4B7A-9015-9603467DFCF3}" type="CELLRANGE">
+                    <a:fld id="{6B7D71AA-F717-4CCE-BC0B-9A887E4B8141}" type="CELLRANGE">
                       <a:rPr lang="en-US"/>
                       <a:pPr/>
                       <a:t>[CELLRANGE]</a:t>
@@ -244,7 +246,7 @@
                   <a:bodyPr/>
                   <a:lstStyle/>
                   <a:p>
-                    <a:fld id="{8D7B6AC4-B9BD-4393-95B0-30CDBE4EF287}" type="CELLRANGE">
+                    <a:fld id="{55BC05F4-0861-4B7E-89F8-DC2570A4DEE3}" type="CELLRANGE">
                       <a:rPr lang="en-US"/>
                       <a:pPr/>
                       <a:t>[CELLRANGE]</a:t>
@@ -273,12 +275,18 @@
             </c:dLbl>
             <c:dLbl>
               <c:idx val="3"/>
+              <c:layout>
+                <c:manualLayout>
+                  <c:x val="0"/>
+                  <c:y val="3.5353535353535352E-2"/>
+                </c:manualLayout>
+              </c:layout>
               <c:tx>
                 <c:rich>
                   <a:bodyPr/>
                   <a:lstStyle/>
                   <a:p>
-                    <a:fld id="{85F0311B-574A-4D6C-BA65-2CD232075F91}" type="CELLRANGE">
+                    <a:fld id="{4802F912-63F6-4386-A6B5-EC915BBBBD82}" type="CELLRANGE">
                       <a:rPr lang="en-US"/>
                       <a:pPr/>
                       <a:t>[CELLRANGE]</a:t>
@@ -297,7 +305,6 @@
               <c:extLst>
                 <c:ext xmlns:c15="http://schemas.microsoft.com/office/drawing/2012/chart" uri="{CE6537A1-D6FC-4f65-9D91-7224C49458BB}">
                   <c15:dlblFieldTable/>
-                  <c15:xForSave val="1"/>
                   <c15:showDataLabelsRange val="1"/>
                 </c:ext>
                 <c:ext xmlns:c16="http://schemas.microsoft.com/office/drawing/2014/chart" uri="{C3380CC4-5D6E-409C-BE32-E72D297353CC}">
@@ -307,12 +314,18 @@
             </c:dLbl>
             <c:dLbl>
               <c:idx val="4"/>
+              <c:layout>
+                <c:manualLayout>
+                  <c:x val="0"/>
+                  <c:y val="4.0404040404040407E-2"/>
+                </c:manualLayout>
+              </c:layout>
               <c:tx>
                 <c:rich>
                   <a:bodyPr/>
                   <a:lstStyle/>
                   <a:p>
-                    <a:fld id="{8BC9353D-C752-406E-8B29-970ECFF2D54B}" type="CELLRANGE">
+                    <a:fld id="{591CF7C7-DA10-4BC9-AB3A-96134F221A0E}" type="CELLRANGE">
                       <a:rPr lang="en-US"/>
                       <a:pPr/>
                       <a:t>[CELLRANGE]</a:t>
@@ -331,7 +344,6 @@
               <c:extLst>
                 <c:ext xmlns:c15="http://schemas.microsoft.com/office/drawing/2012/chart" uri="{CE6537A1-D6FC-4f65-9D91-7224C49458BB}">
                   <c15:dlblFieldTable/>
-                  <c15:xForSave val="1"/>
                   <c15:showDataLabelsRange val="1"/>
                 </c:ext>
                 <c:ext xmlns:c16="http://schemas.microsoft.com/office/drawing/2014/chart" uri="{C3380CC4-5D6E-409C-BE32-E72D297353CC}">
@@ -341,12 +353,18 @@
             </c:dLbl>
             <c:dLbl>
               <c:idx val="5"/>
+              <c:layout>
+                <c:manualLayout>
+                  <c:x val="0"/>
+                  <c:y val="4.0404040404040407E-2"/>
+                </c:manualLayout>
+              </c:layout>
               <c:tx>
                 <c:rich>
                   <a:bodyPr/>
                   <a:lstStyle/>
                   <a:p>
-                    <a:fld id="{0C1FE544-DE7B-4491-9BE1-568C7B04A2A0}" type="CELLRANGE">
+                    <a:fld id="{53FE7292-E9DE-4509-802E-6C0D425EFA72}" type="CELLRANGE">
                       <a:rPr lang="en-US"/>
                       <a:pPr/>
                       <a:t>[CELLRANGE]</a:t>
@@ -365,7 +383,6 @@
               <c:extLst>
                 <c:ext xmlns:c15="http://schemas.microsoft.com/office/drawing/2012/chart" uri="{CE6537A1-D6FC-4f65-9D91-7224C49458BB}">
                   <c15:dlblFieldTable/>
-                  <c15:xForSave val="1"/>
                   <c15:showDataLabelsRange val="1"/>
                 </c:ext>
                 <c:ext xmlns:c16="http://schemas.microsoft.com/office/drawing/2014/chart" uri="{C3380CC4-5D6E-409C-BE32-E72D297353CC}">
@@ -387,7 +404,7 @@
                 <a:pPr>
                   <a:defRPr sz="2800" b="0" i="0" u="none" strike="noStrike" kern="1200" baseline="0">
                     <a:solidFill>
-                      <a:schemeClr val="bg1"/>
+                      <a:schemeClr val="tx1"/>
                     </a:solidFill>
                     <a:latin typeface="+mn-lt"/>
                     <a:ea typeface="+mn-ea"/>
@@ -527,10 +544,12 @@
           </c:tx>
           <c:spPr>
             <a:solidFill>
-              <a:srgbClr val="C00000"/>
+              <a:srgbClr val="ED7D31"/>
             </a:solidFill>
-            <a:ln>
-              <a:noFill/>
+            <a:ln w="28575">
+              <a:solidFill>
+                <a:sysClr val="windowText" lastClr="000000"/>
+              </a:solidFill>
             </a:ln>
             <a:effectLst/>
           </c:spPr>
@@ -568,33 +587,7 @@
             </c:dLbl>
             <c:dLbl>
               <c:idx val="3"/>
-              <c:layout>
-                <c:manualLayout>
-                  <c:x val="-5.5551181102370356E-4"/>
-                  <c:y val="1.0606160025451365E-2"/>
-                </c:manualLayout>
-              </c:layout>
-              <c:tx>
-                <c:rich>
-                  <a:bodyPr/>
-                  <a:lstStyle/>
-                  <a:p>
-                    <a:fld id="{E0EAD319-61D8-40A5-B68E-7C99EDBCE57E}" type="CELLRANGE">
-                      <a:rPr lang="en-US" dirty="0"/>
-                      <a:pPr/>
-                      <a:t>[CELLRANGE]</a:t>
-                    </a:fld>
-                    <a:endParaRPr lang="en-US"/>
-                  </a:p>
-                </c:rich>
-              </c:tx>
-              <c:dLblPos val="ctr"/>
-              <c:showLegendKey val="0"/>
-              <c:showVal val="0"/>
-              <c:showCatName val="0"/>
-              <c:showSerName val="0"/>
-              <c:showPercent val="0"/>
-              <c:showBubbleSize val="0"/>
+              <c:delete val="1"/>
               <c:extLst>
                 <c:ext xmlns:c15="http://schemas.microsoft.com/office/drawing/2012/chart" uri="{CE6537A1-D6FC-4f65-9D91-7224C49458BB}">
                   <c15:layout>
@@ -603,8 +596,6 @@
                       <c:h val="9.3888888888888883E-2"/>
                     </c:manualLayout>
                   </c15:layout>
-                  <c15:dlblFieldTable/>
-                  <c15:showDataLabelsRange val="1"/>
                 </c:ext>
                 <c:ext xmlns:c16="http://schemas.microsoft.com/office/drawing/2014/chart" uri="{C3380CC4-5D6E-409C-BE32-E72D297353CC}">
                   <c16:uniqueId val="{00000016-C5FF-4992-BA52-6184E1D6256E}"/>
@@ -618,7 +609,7 @@
                   <a:bodyPr/>
                   <a:lstStyle/>
                   <a:p>
-                    <a:fld id="{C5F48167-E0A8-4F23-A6DF-11735B3448F0}" type="CELLRANGE">
+                    <a:fld id="{6225A411-6B6E-4E2E-9CA0-715D33133AB7}" type="CELLRANGE">
                       <a:rPr lang="en-US"/>
                       <a:pPr/>
                       <a:t>[CELLRANGE]</a:t>
@@ -652,7 +643,7 @@
                   <a:bodyPr/>
                   <a:lstStyle/>
                   <a:p>
-                    <a:fld id="{48A8D93D-52D7-4DEA-A34B-17D24043201F}" type="CELLRANGE">
+                    <a:fld id="{D679ECFC-38FB-49E6-9400-9C22AE7DF189}" type="CELLRANGE">
                       <a:rPr lang="en-US"/>
                       <a:pPr/>
                       <a:t>[CELLRANGE]</a:t>
@@ -693,7 +684,7 @@
                 <a:pPr>
                   <a:defRPr sz="2800" b="0" i="0" u="none" strike="noStrike" kern="1200" baseline="0">
                     <a:solidFill>
-                      <a:schemeClr val="bg1"/>
+                      <a:schemeClr val="tx1"/>
                     </a:solidFill>
                     <a:latin typeface="+mn-lt"/>
                     <a:ea typeface="+mn-ea"/>
@@ -1752,7 +1743,7 @@
           <a:p>
             <a:fld id="{BB9690E2-32B0-4B7F-88AC-28CD11FEDFE8}" type="datetimeFigureOut">
               <a:rPr lang="en-US" smtClean="0"/>
-              <a:t>2/15/2023</a:t>
+              <a:t>2/21/2023</a:t>
             </a:fld>
             <a:endParaRPr lang="en-US"/>
           </a:p>
@@ -1922,7 +1913,7 @@
           <a:p>
             <a:fld id="{BB9690E2-32B0-4B7F-88AC-28CD11FEDFE8}" type="datetimeFigureOut">
               <a:rPr lang="en-US" smtClean="0"/>
-              <a:t>2/15/2023</a:t>
+              <a:t>2/21/2023</a:t>
             </a:fld>
             <a:endParaRPr lang="en-US"/>
           </a:p>
@@ -2102,7 +2093,7 @@
           <a:p>
             <a:fld id="{BB9690E2-32B0-4B7F-88AC-28CD11FEDFE8}" type="datetimeFigureOut">
               <a:rPr lang="en-US" smtClean="0"/>
-              <a:t>2/15/2023</a:t>
+              <a:t>2/21/2023</a:t>
             </a:fld>
             <a:endParaRPr lang="en-US"/>
           </a:p>
@@ -2272,7 +2263,7 @@
           <a:p>
             <a:fld id="{BB9690E2-32B0-4B7F-88AC-28CD11FEDFE8}" type="datetimeFigureOut">
               <a:rPr lang="en-US" smtClean="0"/>
-              <a:t>2/15/2023</a:t>
+              <a:t>2/21/2023</a:t>
             </a:fld>
             <a:endParaRPr lang="en-US"/>
           </a:p>
@@ -2518,7 +2509,7 @@
           <a:p>
             <a:fld id="{BB9690E2-32B0-4B7F-88AC-28CD11FEDFE8}" type="datetimeFigureOut">
               <a:rPr lang="en-US" smtClean="0"/>
-              <a:t>2/15/2023</a:t>
+              <a:t>2/21/2023</a:t>
             </a:fld>
             <a:endParaRPr lang="en-US"/>
           </a:p>
@@ -2750,7 +2741,7 @@
           <a:p>
             <a:fld id="{BB9690E2-32B0-4B7F-88AC-28CD11FEDFE8}" type="datetimeFigureOut">
               <a:rPr lang="en-US" smtClean="0"/>
-              <a:t>2/15/2023</a:t>
+              <a:t>2/21/2023</a:t>
             </a:fld>
             <a:endParaRPr lang="en-US"/>
           </a:p>
@@ -3117,7 +3108,7 @@
           <a:p>
             <a:fld id="{BB9690E2-32B0-4B7F-88AC-28CD11FEDFE8}" type="datetimeFigureOut">
               <a:rPr lang="en-US" smtClean="0"/>
-              <a:t>2/15/2023</a:t>
+              <a:t>2/21/2023</a:t>
             </a:fld>
             <a:endParaRPr lang="en-US"/>
           </a:p>
@@ -3235,7 +3226,7 @@
           <a:p>
             <a:fld id="{BB9690E2-32B0-4B7F-88AC-28CD11FEDFE8}" type="datetimeFigureOut">
               <a:rPr lang="en-US" smtClean="0"/>
-              <a:t>2/15/2023</a:t>
+              <a:t>2/21/2023</a:t>
             </a:fld>
             <a:endParaRPr lang="en-US"/>
           </a:p>
@@ -3330,7 +3321,7 @@
           <a:p>
             <a:fld id="{BB9690E2-32B0-4B7F-88AC-28CD11FEDFE8}" type="datetimeFigureOut">
               <a:rPr lang="en-US" smtClean="0"/>
-              <a:t>2/15/2023</a:t>
+              <a:t>2/21/2023</a:t>
             </a:fld>
             <a:endParaRPr lang="en-US"/>
           </a:p>
@@ -3607,7 +3598,7 @@
           <a:p>
             <a:fld id="{BB9690E2-32B0-4B7F-88AC-28CD11FEDFE8}" type="datetimeFigureOut">
               <a:rPr lang="en-US" smtClean="0"/>
-              <a:t>2/15/2023</a:t>
+              <a:t>2/21/2023</a:t>
             </a:fld>
             <a:endParaRPr lang="en-US"/>
           </a:p>
@@ -3864,7 +3855,7 @@
           <a:p>
             <a:fld id="{BB9690E2-32B0-4B7F-88AC-28CD11FEDFE8}" type="datetimeFigureOut">
               <a:rPr lang="en-US" smtClean="0"/>
-              <a:t>2/15/2023</a:t>
+              <a:t>2/21/2023</a:t>
             </a:fld>
             <a:endParaRPr lang="en-US"/>
           </a:p>
@@ -4077,7 +4068,7 @@
           <a:p>
             <a:fld id="{BB9690E2-32B0-4B7F-88AC-28CD11FEDFE8}" type="datetimeFigureOut">
               <a:rPr lang="en-US" smtClean="0"/>
-              <a:t>2/15/2023</a:t>
+              <a:t>2/21/2023</a:t>
             </a:fld>
             <a:endParaRPr lang="en-US"/>
           </a:p>
@@ -4497,7 +4488,7 @@
           <p:nvPr>
             <p:extLst>
               <p:ext uri="{D42A27DB-BD31-4B8C-83A1-F6EECF244321}">
-                <p14:modId xmlns:p14="http://schemas.microsoft.com/office/powerpoint/2010/main" val="1508369817"/>
+                <p14:modId xmlns:p14="http://schemas.microsoft.com/office/powerpoint/2010/main" val="956926848"/>
               </p:ext>
             </p:extLst>
           </p:nvPr>
